--- a/ppt 16-9/1239.愿我们儆醒.pptx
+++ b/ppt 16-9/1239.愿我们儆醒.pptx
@@ -5,7 +5,7 @@
     <p:sldMasterId id="2147483648" r:id="rId1"/>
   </p:sldMasterIdLst>
   <p:sldIdLst>
-    <p:sldId id="778" r:id="rId2"/>
+    <p:sldId id="779" r:id="rId2"/>
   </p:sldIdLst>
   <p:sldSz cx="12192000" cy="6858000"/>
   <p:notesSz cx="6858000" cy="9144000"/>
@@ -129,7 +129,7 @@
           <p:cNvPr id="2" name="标题 1">
             <a:extLst>
               <a:ext uri="{FF2B5EF4-FFF2-40B4-BE49-F238E27FC236}">
-                <a16:creationId xmlns:a16="http://schemas.microsoft.com/office/drawing/2014/main" id="{20B47972-FBF1-B3A1-8FE1-DD7EEE075C35}"/>
+                <a16:creationId xmlns:a16="http://schemas.microsoft.com/office/drawing/2014/main" id="{430966CF-9F0A-18C4-3F11-AF3EE6B1F7E5}"/>
               </a:ext>
             </a:extLst>
           </p:cNvPr>
@@ -166,7 +166,7 @@
           <p:cNvPr id="3" name="副标题 2">
             <a:extLst>
               <a:ext uri="{FF2B5EF4-FFF2-40B4-BE49-F238E27FC236}">
-                <a16:creationId xmlns:a16="http://schemas.microsoft.com/office/drawing/2014/main" id="{716431F5-747C-F89B-C6B3-2278D4A1AAAD}"/>
+                <a16:creationId xmlns:a16="http://schemas.microsoft.com/office/drawing/2014/main" id="{7B036E70-29ED-7763-1541-B090BFBB2662}"/>
               </a:ext>
             </a:extLst>
           </p:cNvPr>
@@ -236,7 +236,7 @@
           <p:cNvPr id="4" name="日期占位符 3">
             <a:extLst>
               <a:ext uri="{FF2B5EF4-FFF2-40B4-BE49-F238E27FC236}">
-                <a16:creationId xmlns:a16="http://schemas.microsoft.com/office/drawing/2014/main" id="{1527ED52-FA31-EAAB-C386-8ADA6074A4EA}"/>
+                <a16:creationId xmlns:a16="http://schemas.microsoft.com/office/drawing/2014/main" id="{2257B568-0848-A16A-6AB3-9B18E6B9B1FC}"/>
               </a:ext>
             </a:extLst>
           </p:cNvPr>
@@ -252,7 +252,7 @@
           <a:bodyPr/>
           <a:lstStyle/>
           <a:p>
-            <a:fld id="{0FFD9E19-438C-40D9-9753-4A6600C41928}" type="datetimeFigureOut">
+            <a:fld id="{C924676D-8639-4900-9D01-0F8CEF398330}" type="datetimeFigureOut">
               <a:rPr lang="zh-CN" altLang="en-US" smtClean="0"/>
               <a:t>2024/3/10</a:t>
             </a:fld>
@@ -265,7 +265,7 @@
           <p:cNvPr id="5" name="页脚占位符 4">
             <a:extLst>
               <a:ext uri="{FF2B5EF4-FFF2-40B4-BE49-F238E27FC236}">
-                <a16:creationId xmlns:a16="http://schemas.microsoft.com/office/drawing/2014/main" id="{68F8C9B2-A2E6-15B6-3121-227D2F82525D}"/>
+                <a16:creationId xmlns:a16="http://schemas.microsoft.com/office/drawing/2014/main" id="{BB474678-BC15-199A-1E51-31D3DB16610C}"/>
               </a:ext>
             </a:extLst>
           </p:cNvPr>
@@ -290,7 +290,7 @@
           <p:cNvPr id="6" name="灯片编号占位符 5">
             <a:extLst>
               <a:ext uri="{FF2B5EF4-FFF2-40B4-BE49-F238E27FC236}">
-                <a16:creationId xmlns:a16="http://schemas.microsoft.com/office/drawing/2014/main" id="{91A9E3B2-F9FB-D07F-14FC-F390286D1D05}"/>
+                <a16:creationId xmlns:a16="http://schemas.microsoft.com/office/drawing/2014/main" id="{52DF875D-5F7C-1604-DDCB-289941FC5E6B}"/>
               </a:ext>
             </a:extLst>
           </p:cNvPr>
@@ -306,7 +306,7 @@
           <a:bodyPr/>
           <a:lstStyle/>
           <a:p>
-            <a:fld id="{DDA0AE6A-8629-4151-8704-C2C623580E14}" type="slidenum">
+            <a:fld id="{0A67B1FD-1378-4F62-A79D-1608B99F3347}" type="slidenum">
               <a:rPr lang="zh-CN" altLang="en-US" smtClean="0"/>
               <a:t>‹#›</a:t>
             </a:fld>
@@ -317,7 +317,7 @@
     </p:spTree>
     <p:extLst>
       <p:ext uri="{BB962C8B-B14F-4D97-AF65-F5344CB8AC3E}">
-        <p14:creationId xmlns:p14="http://schemas.microsoft.com/office/powerpoint/2010/main" val="3195451311"/>
+        <p14:creationId xmlns:p14="http://schemas.microsoft.com/office/powerpoint/2010/main" val="3942686735"/>
       </p:ext>
     </p:extLst>
   </p:cSld>
@@ -349,7 +349,7 @@
           <p:cNvPr id="2" name="标题 1">
             <a:extLst>
               <a:ext uri="{FF2B5EF4-FFF2-40B4-BE49-F238E27FC236}">
-                <a16:creationId xmlns:a16="http://schemas.microsoft.com/office/drawing/2014/main" id="{885C8007-3224-5C3A-349C-99AD1725EDA6}"/>
+                <a16:creationId xmlns:a16="http://schemas.microsoft.com/office/drawing/2014/main" id="{160CAF4B-4382-BEF6-34E1-0CD653E59407}"/>
               </a:ext>
             </a:extLst>
           </p:cNvPr>
@@ -377,7 +377,7 @@
           <p:cNvPr id="3" name="竖排文字占位符 2">
             <a:extLst>
               <a:ext uri="{FF2B5EF4-FFF2-40B4-BE49-F238E27FC236}">
-                <a16:creationId xmlns:a16="http://schemas.microsoft.com/office/drawing/2014/main" id="{B971CCF3-5784-5441-FC98-7E1F7F5ED7AF}"/>
+                <a16:creationId xmlns:a16="http://schemas.microsoft.com/office/drawing/2014/main" id="{FE2375B5-8DED-516E-DC13-18E970514349}"/>
               </a:ext>
             </a:extLst>
           </p:cNvPr>
@@ -434,7 +434,7 @@
           <p:cNvPr id="4" name="日期占位符 3">
             <a:extLst>
               <a:ext uri="{FF2B5EF4-FFF2-40B4-BE49-F238E27FC236}">
-                <a16:creationId xmlns:a16="http://schemas.microsoft.com/office/drawing/2014/main" id="{45BF027A-DB69-7BEA-F4B7-F8D8E7856040}"/>
+                <a16:creationId xmlns:a16="http://schemas.microsoft.com/office/drawing/2014/main" id="{A0C26922-B0B7-617C-F299-2CB75B0611F8}"/>
               </a:ext>
             </a:extLst>
           </p:cNvPr>
@@ -450,7 +450,7 @@
           <a:bodyPr/>
           <a:lstStyle/>
           <a:p>
-            <a:fld id="{0FFD9E19-438C-40D9-9753-4A6600C41928}" type="datetimeFigureOut">
+            <a:fld id="{C924676D-8639-4900-9D01-0F8CEF398330}" type="datetimeFigureOut">
               <a:rPr lang="zh-CN" altLang="en-US" smtClean="0"/>
               <a:t>2024/3/10</a:t>
             </a:fld>
@@ -463,7 +463,7 @@
           <p:cNvPr id="5" name="页脚占位符 4">
             <a:extLst>
               <a:ext uri="{FF2B5EF4-FFF2-40B4-BE49-F238E27FC236}">
-                <a16:creationId xmlns:a16="http://schemas.microsoft.com/office/drawing/2014/main" id="{7824BE5E-C2D7-C4BE-E507-81985C3E4925}"/>
+                <a16:creationId xmlns:a16="http://schemas.microsoft.com/office/drawing/2014/main" id="{84D09DC2-8DA7-439E-6DE0-52EDB8D11E50}"/>
               </a:ext>
             </a:extLst>
           </p:cNvPr>
@@ -488,7 +488,7 @@
           <p:cNvPr id="6" name="灯片编号占位符 5">
             <a:extLst>
               <a:ext uri="{FF2B5EF4-FFF2-40B4-BE49-F238E27FC236}">
-                <a16:creationId xmlns:a16="http://schemas.microsoft.com/office/drawing/2014/main" id="{52D65DDD-D693-5967-4F35-451B34783F98}"/>
+                <a16:creationId xmlns:a16="http://schemas.microsoft.com/office/drawing/2014/main" id="{12FF9F1F-BC2E-F17E-55CC-3FB07E7EDEDE}"/>
               </a:ext>
             </a:extLst>
           </p:cNvPr>
@@ -504,7 +504,7 @@
           <a:bodyPr/>
           <a:lstStyle/>
           <a:p>
-            <a:fld id="{DDA0AE6A-8629-4151-8704-C2C623580E14}" type="slidenum">
+            <a:fld id="{0A67B1FD-1378-4F62-A79D-1608B99F3347}" type="slidenum">
               <a:rPr lang="zh-CN" altLang="en-US" smtClean="0"/>
               <a:t>‹#›</a:t>
             </a:fld>
@@ -515,7 +515,7 @@
     </p:spTree>
     <p:extLst>
       <p:ext uri="{BB962C8B-B14F-4D97-AF65-F5344CB8AC3E}">
-        <p14:creationId xmlns:p14="http://schemas.microsoft.com/office/powerpoint/2010/main" val="2238711946"/>
+        <p14:creationId xmlns:p14="http://schemas.microsoft.com/office/powerpoint/2010/main" val="3708876020"/>
       </p:ext>
     </p:extLst>
   </p:cSld>
@@ -547,7 +547,7 @@
           <p:cNvPr id="2" name="竖排标题 1">
             <a:extLst>
               <a:ext uri="{FF2B5EF4-FFF2-40B4-BE49-F238E27FC236}">
-                <a16:creationId xmlns:a16="http://schemas.microsoft.com/office/drawing/2014/main" id="{94B3F722-3138-F11B-DB28-426D77AE8431}"/>
+                <a16:creationId xmlns:a16="http://schemas.microsoft.com/office/drawing/2014/main" id="{5A57DE1A-6ED2-C49F-8763-E3A28D9A86F9}"/>
               </a:ext>
             </a:extLst>
           </p:cNvPr>
@@ -580,7 +580,7 @@
           <p:cNvPr id="3" name="竖排文字占位符 2">
             <a:extLst>
               <a:ext uri="{FF2B5EF4-FFF2-40B4-BE49-F238E27FC236}">
-                <a16:creationId xmlns:a16="http://schemas.microsoft.com/office/drawing/2014/main" id="{3DF2ECD5-7C66-F7B0-4414-DC6133165309}"/>
+                <a16:creationId xmlns:a16="http://schemas.microsoft.com/office/drawing/2014/main" id="{B5B9D89A-CA7D-AAE1-B573-04EC3F5F459C}"/>
               </a:ext>
             </a:extLst>
           </p:cNvPr>
@@ -642,7 +642,7 @@
           <p:cNvPr id="4" name="日期占位符 3">
             <a:extLst>
               <a:ext uri="{FF2B5EF4-FFF2-40B4-BE49-F238E27FC236}">
-                <a16:creationId xmlns:a16="http://schemas.microsoft.com/office/drawing/2014/main" id="{6FA2A8CC-C1AB-5C1B-C063-2B18458B7794}"/>
+                <a16:creationId xmlns:a16="http://schemas.microsoft.com/office/drawing/2014/main" id="{89D5F0AE-7CA1-1215-A2C0-4DDDC7F70FB2}"/>
               </a:ext>
             </a:extLst>
           </p:cNvPr>
@@ -658,7 +658,7 @@
           <a:bodyPr/>
           <a:lstStyle/>
           <a:p>
-            <a:fld id="{0FFD9E19-438C-40D9-9753-4A6600C41928}" type="datetimeFigureOut">
+            <a:fld id="{C924676D-8639-4900-9D01-0F8CEF398330}" type="datetimeFigureOut">
               <a:rPr lang="zh-CN" altLang="en-US" smtClean="0"/>
               <a:t>2024/3/10</a:t>
             </a:fld>
@@ -671,7 +671,7 @@
           <p:cNvPr id="5" name="页脚占位符 4">
             <a:extLst>
               <a:ext uri="{FF2B5EF4-FFF2-40B4-BE49-F238E27FC236}">
-                <a16:creationId xmlns:a16="http://schemas.microsoft.com/office/drawing/2014/main" id="{DF6856FA-DC2D-6634-1DAF-1DE853BBB2CF}"/>
+                <a16:creationId xmlns:a16="http://schemas.microsoft.com/office/drawing/2014/main" id="{A002A77E-DB2D-CFE3-2700-C3A7151B6EB3}"/>
               </a:ext>
             </a:extLst>
           </p:cNvPr>
@@ -696,7 +696,7 @@
           <p:cNvPr id="6" name="灯片编号占位符 5">
             <a:extLst>
               <a:ext uri="{FF2B5EF4-FFF2-40B4-BE49-F238E27FC236}">
-                <a16:creationId xmlns:a16="http://schemas.microsoft.com/office/drawing/2014/main" id="{59D9EC53-17C1-1793-0886-49DE41626E5D}"/>
+                <a16:creationId xmlns:a16="http://schemas.microsoft.com/office/drawing/2014/main" id="{2936549C-A54A-432A-4EBB-72B2EBC5F31A}"/>
               </a:ext>
             </a:extLst>
           </p:cNvPr>
@@ -712,7 +712,7 @@
           <a:bodyPr/>
           <a:lstStyle/>
           <a:p>
-            <a:fld id="{DDA0AE6A-8629-4151-8704-C2C623580E14}" type="slidenum">
+            <a:fld id="{0A67B1FD-1378-4F62-A79D-1608B99F3347}" type="slidenum">
               <a:rPr lang="zh-CN" altLang="en-US" smtClean="0"/>
               <a:t>‹#›</a:t>
             </a:fld>
@@ -723,7 +723,7 @@
     </p:spTree>
     <p:extLst>
       <p:ext uri="{BB962C8B-B14F-4D97-AF65-F5344CB8AC3E}">
-        <p14:creationId xmlns:p14="http://schemas.microsoft.com/office/powerpoint/2010/main" val="3463734742"/>
+        <p14:creationId xmlns:p14="http://schemas.microsoft.com/office/powerpoint/2010/main" val="767397501"/>
       </p:ext>
     </p:extLst>
   </p:cSld>
@@ -755,7 +755,7 @@
           <p:cNvPr id="2" name="标题 1">
             <a:extLst>
               <a:ext uri="{FF2B5EF4-FFF2-40B4-BE49-F238E27FC236}">
-                <a16:creationId xmlns:a16="http://schemas.microsoft.com/office/drawing/2014/main" id="{DD1CAD67-651B-27A9-E737-7F4A35BA7B78}"/>
+                <a16:creationId xmlns:a16="http://schemas.microsoft.com/office/drawing/2014/main" id="{348EA310-DBF0-90D7-5C2F-4BE10EBA0494}"/>
               </a:ext>
             </a:extLst>
           </p:cNvPr>
@@ -783,7 +783,7 @@
           <p:cNvPr id="3" name="内容占位符 2">
             <a:extLst>
               <a:ext uri="{FF2B5EF4-FFF2-40B4-BE49-F238E27FC236}">
-                <a16:creationId xmlns:a16="http://schemas.microsoft.com/office/drawing/2014/main" id="{51970656-7B4E-F0C5-5200-9614A1E5C289}"/>
+                <a16:creationId xmlns:a16="http://schemas.microsoft.com/office/drawing/2014/main" id="{00F178E1-3DB7-E998-8F2C-9F99EAAB45D4}"/>
               </a:ext>
             </a:extLst>
           </p:cNvPr>
@@ -840,7 +840,7 @@
           <p:cNvPr id="4" name="日期占位符 3">
             <a:extLst>
               <a:ext uri="{FF2B5EF4-FFF2-40B4-BE49-F238E27FC236}">
-                <a16:creationId xmlns:a16="http://schemas.microsoft.com/office/drawing/2014/main" id="{05B76ACD-7C92-262D-E872-F53B88BCEEC7}"/>
+                <a16:creationId xmlns:a16="http://schemas.microsoft.com/office/drawing/2014/main" id="{71E7F72E-CBB4-2E5D-99A7-DFED2C205F76}"/>
               </a:ext>
             </a:extLst>
           </p:cNvPr>
@@ -856,7 +856,7 @@
           <a:bodyPr/>
           <a:lstStyle/>
           <a:p>
-            <a:fld id="{0FFD9E19-438C-40D9-9753-4A6600C41928}" type="datetimeFigureOut">
+            <a:fld id="{C924676D-8639-4900-9D01-0F8CEF398330}" type="datetimeFigureOut">
               <a:rPr lang="zh-CN" altLang="en-US" smtClean="0"/>
               <a:t>2024/3/10</a:t>
             </a:fld>
@@ -869,7 +869,7 @@
           <p:cNvPr id="5" name="页脚占位符 4">
             <a:extLst>
               <a:ext uri="{FF2B5EF4-FFF2-40B4-BE49-F238E27FC236}">
-                <a16:creationId xmlns:a16="http://schemas.microsoft.com/office/drawing/2014/main" id="{3068A715-78EF-DD26-7B90-F7E12DAB2441}"/>
+                <a16:creationId xmlns:a16="http://schemas.microsoft.com/office/drawing/2014/main" id="{2177EF3A-EE8F-A34E-CE32-93A31F4B7AA7}"/>
               </a:ext>
             </a:extLst>
           </p:cNvPr>
@@ -894,7 +894,7 @@
           <p:cNvPr id="6" name="灯片编号占位符 5">
             <a:extLst>
               <a:ext uri="{FF2B5EF4-FFF2-40B4-BE49-F238E27FC236}">
-                <a16:creationId xmlns:a16="http://schemas.microsoft.com/office/drawing/2014/main" id="{470B6CE5-A21B-C0C6-B6FE-3CC106CC3D15}"/>
+                <a16:creationId xmlns:a16="http://schemas.microsoft.com/office/drawing/2014/main" id="{8769EA0D-C002-31B5-5BA1-79ACFB3C9ECA}"/>
               </a:ext>
             </a:extLst>
           </p:cNvPr>
@@ -910,7 +910,7 @@
           <a:bodyPr/>
           <a:lstStyle/>
           <a:p>
-            <a:fld id="{DDA0AE6A-8629-4151-8704-C2C623580E14}" type="slidenum">
+            <a:fld id="{0A67B1FD-1378-4F62-A79D-1608B99F3347}" type="slidenum">
               <a:rPr lang="zh-CN" altLang="en-US" smtClean="0"/>
               <a:t>‹#›</a:t>
             </a:fld>
@@ -921,7 +921,7 @@
     </p:spTree>
     <p:extLst>
       <p:ext uri="{BB962C8B-B14F-4D97-AF65-F5344CB8AC3E}">
-        <p14:creationId xmlns:p14="http://schemas.microsoft.com/office/powerpoint/2010/main" val="64638484"/>
+        <p14:creationId xmlns:p14="http://schemas.microsoft.com/office/powerpoint/2010/main" val="1518758970"/>
       </p:ext>
     </p:extLst>
   </p:cSld>
@@ -953,7 +953,7 @@
           <p:cNvPr id="2" name="标题 1">
             <a:extLst>
               <a:ext uri="{FF2B5EF4-FFF2-40B4-BE49-F238E27FC236}">
-                <a16:creationId xmlns:a16="http://schemas.microsoft.com/office/drawing/2014/main" id="{3D94C20E-E723-3EE4-EB90-D6D20BFBB663}"/>
+                <a16:creationId xmlns:a16="http://schemas.microsoft.com/office/drawing/2014/main" id="{13FD5D3D-9DEA-EA28-0663-5C7B979EF2F0}"/>
               </a:ext>
             </a:extLst>
           </p:cNvPr>
@@ -990,7 +990,7 @@
           <p:cNvPr id="3" name="文本占位符 2">
             <a:extLst>
               <a:ext uri="{FF2B5EF4-FFF2-40B4-BE49-F238E27FC236}">
-                <a16:creationId xmlns:a16="http://schemas.microsoft.com/office/drawing/2014/main" id="{4A41F1FB-CAFE-400A-F108-1EFFC0F2FA9F}"/>
+                <a16:creationId xmlns:a16="http://schemas.microsoft.com/office/drawing/2014/main" id="{AA00E55A-47D4-4581-6F75-75C4B0752BC8}"/>
               </a:ext>
             </a:extLst>
           </p:cNvPr>
@@ -1115,7 +1115,7 @@
           <p:cNvPr id="4" name="日期占位符 3">
             <a:extLst>
               <a:ext uri="{FF2B5EF4-FFF2-40B4-BE49-F238E27FC236}">
-                <a16:creationId xmlns:a16="http://schemas.microsoft.com/office/drawing/2014/main" id="{95CE87F5-2EB3-D0EB-DC49-FDF349D7C3E1}"/>
+                <a16:creationId xmlns:a16="http://schemas.microsoft.com/office/drawing/2014/main" id="{5CF10A5F-FFD5-1924-5464-12C8AC99E839}"/>
               </a:ext>
             </a:extLst>
           </p:cNvPr>
@@ -1131,7 +1131,7 @@
           <a:bodyPr/>
           <a:lstStyle/>
           <a:p>
-            <a:fld id="{0FFD9E19-438C-40D9-9753-4A6600C41928}" type="datetimeFigureOut">
+            <a:fld id="{C924676D-8639-4900-9D01-0F8CEF398330}" type="datetimeFigureOut">
               <a:rPr lang="zh-CN" altLang="en-US" smtClean="0"/>
               <a:t>2024/3/10</a:t>
             </a:fld>
@@ -1144,7 +1144,7 @@
           <p:cNvPr id="5" name="页脚占位符 4">
             <a:extLst>
               <a:ext uri="{FF2B5EF4-FFF2-40B4-BE49-F238E27FC236}">
-                <a16:creationId xmlns:a16="http://schemas.microsoft.com/office/drawing/2014/main" id="{4BD6E3F7-0CD5-EF48-53A8-0974986648AB}"/>
+                <a16:creationId xmlns:a16="http://schemas.microsoft.com/office/drawing/2014/main" id="{83CC3F9E-33E3-1321-767E-F7EEA637A2B0}"/>
               </a:ext>
             </a:extLst>
           </p:cNvPr>
@@ -1169,7 +1169,7 @@
           <p:cNvPr id="6" name="灯片编号占位符 5">
             <a:extLst>
               <a:ext uri="{FF2B5EF4-FFF2-40B4-BE49-F238E27FC236}">
-                <a16:creationId xmlns:a16="http://schemas.microsoft.com/office/drawing/2014/main" id="{1F73600E-0BBE-F8C4-1E23-BCBB2258F068}"/>
+                <a16:creationId xmlns:a16="http://schemas.microsoft.com/office/drawing/2014/main" id="{D7BDA3D9-40D3-EDC8-4DBA-461B27CC4647}"/>
               </a:ext>
             </a:extLst>
           </p:cNvPr>
@@ -1185,7 +1185,7 @@
           <a:bodyPr/>
           <a:lstStyle/>
           <a:p>
-            <a:fld id="{DDA0AE6A-8629-4151-8704-C2C623580E14}" type="slidenum">
+            <a:fld id="{0A67B1FD-1378-4F62-A79D-1608B99F3347}" type="slidenum">
               <a:rPr lang="zh-CN" altLang="en-US" smtClean="0"/>
               <a:t>‹#›</a:t>
             </a:fld>
@@ -1196,7 +1196,7 @@
     </p:spTree>
     <p:extLst>
       <p:ext uri="{BB962C8B-B14F-4D97-AF65-F5344CB8AC3E}">
-        <p14:creationId xmlns:p14="http://schemas.microsoft.com/office/powerpoint/2010/main" val="558071678"/>
+        <p14:creationId xmlns:p14="http://schemas.microsoft.com/office/powerpoint/2010/main" val="3056573824"/>
       </p:ext>
     </p:extLst>
   </p:cSld>
@@ -1228,7 +1228,7 @@
           <p:cNvPr id="2" name="标题 1">
             <a:extLst>
               <a:ext uri="{FF2B5EF4-FFF2-40B4-BE49-F238E27FC236}">
-                <a16:creationId xmlns:a16="http://schemas.microsoft.com/office/drawing/2014/main" id="{AD322EC2-9647-1207-97E4-14C0ACCCE41B}"/>
+                <a16:creationId xmlns:a16="http://schemas.microsoft.com/office/drawing/2014/main" id="{9DB82501-63CC-B2E1-EFAA-816CDCE60F0F}"/>
               </a:ext>
             </a:extLst>
           </p:cNvPr>
@@ -1256,7 +1256,7 @@
           <p:cNvPr id="3" name="内容占位符 2">
             <a:extLst>
               <a:ext uri="{FF2B5EF4-FFF2-40B4-BE49-F238E27FC236}">
-                <a16:creationId xmlns:a16="http://schemas.microsoft.com/office/drawing/2014/main" id="{0D6A380D-A6F5-E205-0E47-3781E4A0E01A}"/>
+                <a16:creationId xmlns:a16="http://schemas.microsoft.com/office/drawing/2014/main" id="{C490E6C4-9E90-2AE5-5ACD-B4A86BCA147C}"/>
               </a:ext>
             </a:extLst>
           </p:cNvPr>
@@ -1318,7 +1318,7 @@
           <p:cNvPr id="4" name="内容占位符 3">
             <a:extLst>
               <a:ext uri="{FF2B5EF4-FFF2-40B4-BE49-F238E27FC236}">
-                <a16:creationId xmlns:a16="http://schemas.microsoft.com/office/drawing/2014/main" id="{6F149F2A-D177-4C3E-CDC0-C89C6C307AA3}"/>
+                <a16:creationId xmlns:a16="http://schemas.microsoft.com/office/drawing/2014/main" id="{F31139BA-4EEB-FAD1-5B3C-28C7631A57FD}"/>
               </a:ext>
             </a:extLst>
           </p:cNvPr>
@@ -1380,7 +1380,7 @@
           <p:cNvPr id="5" name="日期占位符 4">
             <a:extLst>
               <a:ext uri="{FF2B5EF4-FFF2-40B4-BE49-F238E27FC236}">
-                <a16:creationId xmlns:a16="http://schemas.microsoft.com/office/drawing/2014/main" id="{E8A1D983-C06F-98AD-1A65-19E2986C0FDF}"/>
+                <a16:creationId xmlns:a16="http://schemas.microsoft.com/office/drawing/2014/main" id="{43483919-759C-2FDA-2525-24E979AA1939}"/>
               </a:ext>
             </a:extLst>
           </p:cNvPr>
@@ -1396,7 +1396,7 @@
           <a:bodyPr/>
           <a:lstStyle/>
           <a:p>
-            <a:fld id="{0FFD9E19-438C-40D9-9753-4A6600C41928}" type="datetimeFigureOut">
+            <a:fld id="{C924676D-8639-4900-9D01-0F8CEF398330}" type="datetimeFigureOut">
               <a:rPr lang="zh-CN" altLang="en-US" smtClean="0"/>
               <a:t>2024/3/10</a:t>
             </a:fld>
@@ -1409,7 +1409,7 @@
           <p:cNvPr id="6" name="页脚占位符 5">
             <a:extLst>
               <a:ext uri="{FF2B5EF4-FFF2-40B4-BE49-F238E27FC236}">
-                <a16:creationId xmlns:a16="http://schemas.microsoft.com/office/drawing/2014/main" id="{713BB46D-FBA9-F2AB-42B0-B63BF3ED726D}"/>
+                <a16:creationId xmlns:a16="http://schemas.microsoft.com/office/drawing/2014/main" id="{F12E9081-8CFC-18B1-21FA-DFBF00D6F044}"/>
               </a:ext>
             </a:extLst>
           </p:cNvPr>
@@ -1434,7 +1434,7 @@
           <p:cNvPr id="7" name="灯片编号占位符 6">
             <a:extLst>
               <a:ext uri="{FF2B5EF4-FFF2-40B4-BE49-F238E27FC236}">
-                <a16:creationId xmlns:a16="http://schemas.microsoft.com/office/drawing/2014/main" id="{AD822759-5451-7786-C3ED-2008B6BCD591}"/>
+                <a16:creationId xmlns:a16="http://schemas.microsoft.com/office/drawing/2014/main" id="{D97CF5AF-B95F-1652-9C3E-1066FB9891E0}"/>
               </a:ext>
             </a:extLst>
           </p:cNvPr>
@@ -1450,7 +1450,7 @@
           <a:bodyPr/>
           <a:lstStyle/>
           <a:p>
-            <a:fld id="{DDA0AE6A-8629-4151-8704-C2C623580E14}" type="slidenum">
+            <a:fld id="{0A67B1FD-1378-4F62-A79D-1608B99F3347}" type="slidenum">
               <a:rPr lang="zh-CN" altLang="en-US" smtClean="0"/>
               <a:t>‹#›</a:t>
             </a:fld>
@@ -1461,7 +1461,7 @@
     </p:spTree>
     <p:extLst>
       <p:ext uri="{BB962C8B-B14F-4D97-AF65-F5344CB8AC3E}">
-        <p14:creationId xmlns:p14="http://schemas.microsoft.com/office/powerpoint/2010/main" val="4266178949"/>
+        <p14:creationId xmlns:p14="http://schemas.microsoft.com/office/powerpoint/2010/main" val="328123773"/>
       </p:ext>
     </p:extLst>
   </p:cSld>
@@ -1493,7 +1493,7 @@
           <p:cNvPr id="2" name="标题 1">
             <a:extLst>
               <a:ext uri="{FF2B5EF4-FFF2-40B4-BE49-F238E27FC236}">
-                <a16:creationId xmlns:a16="http://schemas.microsoft.com/office/drawing/2014/main" id="{43ABAF51-D3CE-4607-D94B-11600B71F76F}"/>
+                <a16:creationId xmlns:a16="http://schemas.microsoft.com/office/drawing/2014/main" id="{BA5A81F0-9612-FC06-5BE3-A5C25BA29CEF}"/>
               </a:ext>
             </a:extLst>
           </p:cNvPr>
@@ -1526,7 +1526,7 @@
           <p:cNvPr id="3" name="文本占位符 2">
             <a:extLst>
               <a:ext uri="{FF2B5EF4-FFF2-40B4-BE49-F238E27FC236}">
-                <a16:creationId xmlns:a16="http://schemas.microsoft.com/office/drawing/2014/main" id="{84FB2017-E971-C92C-CC0E-5831664D5F3D}"/>
+                <a16:creationId xmlns:a16="http://schemas.microsoft.com/office/drawing/2014/main" id="{A1AB73BD-72F8-47F9-4A94-3AA5C545B389}"/>
               </a:ext>
             </a:extLst>
           </p:cNvPr>
@@ -1597,7 +1597,7 @@
           <p:cNvPr id="4" name="内容占位符 3">
             <a:extLst>
               <a:ext uri="{FF2B5EF4-FFF2-40B4-BE49-F238E27FC236}">
-                <a16:creationId xmlns:a16="http://schemas.microsoft.com/office/drawing/2014/main" id="{5566DC5F-53FD-F22B-4169-4ED3F9D0CADF}"/>
+                <a16:creationId xmlns:a16="http://schemas.microsoft.com/office/drawing/2014/main" id="{746A2BC3-4058-3C34-9606-FDE17B071767}"/>
               </a:ext>
             </a:extLst>
           </p:cNvPr>
@@ -1659,7 +1659,7 @@
           <p:cNvPr id="5" name="文本占位符 4">
             <a:extLst>
               <a:ext uri="{FF2B5EF4-FFF2-40B4-BE49-F238E27FC236}">
-                <a16:creationId xmlns:a16="http://schemas.microsoft.com/office/drawing/2014/main" id="{70003513-327D-069B-01FF-51B8213211DC}"/>
+                <a16:creationId xmlns:a16="http://schemas.microsoft.com/office/drawing/2014/main" id="{9F03B06C-C988-BD93-559F-8CD115F445C1}"/>
               </a:ext>
             </a:extLst>
           </p:cNvPr>
@@ -1730,7 +1730,7 @@
           <p:cNvPr id="6" name="内容占位符 5">
             <a:extLst>
               <a:ext uri="{FF2B5EF4-FFF2-40B4-BE49-F238E27FC236}">
-                <a16:creationId xmlns:a16="http://schemas.microsoft.com/office/drawing/2014/main" id="{F10DDB96-D774-5D72-5BE4-E011AF2241D8}"/>
+                <a16:creationId xmlns:a16="http://schemas.microsoft.com/office/drawing/2014/main" id="{944646B4-31C8-AC0C-E24C-E70D52A5F8D4}"/>
               </a:ext>
             </a:extLst>
           </p:cNvPr>
@@ -1792,7 +1792,7 @@
           <p:cNvPr id="7" name="日期占位符 6">
             <a:extLst>
               <a:ext uri="{FF2B5EF4-FFF2-40B4-BE49-F238E27FC236}">
-                <a16:creationId xmlns:a16="http://schemas.microsoft.com/office/drawing/2014/main" id="{78605A5E-9CC2-202B-ED78-B50A97A430D2}"/>
+                <a16:creationId xmlns:a16="http://schemas.microsoft.com/office/drawing/2014/main" id="{2BF25FE0-FCFE-9770-0F06-F0D89ED36C36}"/>
               </a:ext>
             </a:extLst>
           </p:cNvPr>
@@ -1808,7 +1808,7 @@
           <a:bodyPr/>
           <a:lstStyle/>
           <a:p>
-            <a:fld id="{0FFD9E19-438C-40D9-9753-4A6600C41928}" type="datetimeFigureOut">
+            <a:fld id="{C924676D-8639-4900-9D01-0F8CEF398330}" type="datetimeFigureOut">
               <a:rPr lang="zh-CN" altLang="en-US" smtClean="0"/>
               <a:t>2024/3/10</a:t>
             </a:fld>
@@ -1821,7 +1821,7 @@
           <p:cNvPr id="8" name="页脚占位符 7">
             <a:extLst>
               <a:ext uri="{FF2B5EF4-FFF2-40B4-BE49-F238E27FC236}">
-                <a16:creationId xmlns:a16="http://schemas.microsoft.com/office/drawing/2014/main" id="{742F948C-AC40-5560-8ABB-92BAB76A58BD}"/>
+                <a16:creationId xmlns:a16="http://schemas.microsoft.com/office/drawing/2014/main" id="{04303CB0-6896-B4EE-ACB9-EEC47F47C22B}"/>
               </a:ext>
             </a:extLst>
           </p:cNvPr>
@@ -1846,7 +1846,7 @@
           <p:cNvPr id="9" name="灯片编号占位符 8">
             <a:extLst>
               <a:ext uri="{FF2B5EF4-FFF2-40B4-BE49-F238E27FC236}">
-                <a16:creationId xmlns:a16="http://schemas.microsoft.com/office/drawing/2014/main" id="{3016D93F-999D-FDFA-B3BE-66D0C809DB32}"/>
+                <a16:creationId xmlns:a16="http://schemas.microsoft.com/office/drawing/2014/main" id="{4FD79942-7EC4-758A-7765-632A70F7DDFC}"/>
               </a:ext>
             </a:extLst>
           </p:cNvPr>
@@ -1862,7 +1862,7 @@
           <a:bodyPr/>
           <a:lstStyle/>
           <a:p>
-            <a:fld id="{DDA0AE6A-8629-4151-8704-C2C623580E14}" type="slidenum">
+            <a:fld id="{0A67B1FD-1378-4F62-A79D-1608B99F3347}" type="slidenum">
               <a:rPr lang="zh-CN" altLang="en-US" smtClean="0"/>
               <a:t>‹#›</a:t>
             </a:fld>
@@ -1873,7 +1873,7 @@
     </p:spTree>
     <p:extLst>
       <p:ext uri="{BB962C8B-B14F-4D97-AF65-F5344CB8AC3E}">
-        <p14:creationId xmlns:p14="http://schemas.microsoft.com/office/powerpoint/2010/main" val="3678517236"/>
+        <p14:creationId xmlns:p14="http://schemas.microsoft.com/office/powerpoint/2010/main" val="3332979280"/>
       </p:ext>
     </p:extLst>
   </p:cSld>
@@ -1905,7 +1905,7 @@
           <p:cNvPr id="2" name="标题 1">
             <a:extLst>
               <a:ext uri="{FF2B5EF4-FFF2-40B4-BE49-F238E27FC236}">
-                <a16:creationId xmlns:a16="http://schemas.microsoft.com/office/drawing/2014/main" id="{70E1B8A8-6AC5-AFF1-DC5B-F16B8B35422C}"/>
+                <a16:creationId xmlns:a16="http://schemas.microsoft.com/office/drawing/2014/main" id="{234EB233-5ACC-C27B-1287-D63637811326}"/>
               </a:ext>
             </a:extLst>
           </p:cNvPr>
@@ -1933,7 +1933,7 @@
           <p:cNvPr id="3" name="日期占位符 2">
             <a:extLst>
               <a:ext uri="{FF2B5EF4-FFF2-40B4-BE49-F238E27FC236}">
-                <a16:creationId xmlns:a16="http://schemas.microsoft.com/office/drawing/2014/main" id="{A7D3080B-6A46-EA29-4EF7-F7B925E1EAD8}"/>
+                <a16:creationId xmlns:a16="http://schemas.microsoft.com/office/drawing/2014/main" id="{E8F3DA29-E47D-EE7C-2290-208F99C443A9}"/>
               </a:ext>
             </a:extLst>
           </p:cNvPr>
@@ -1949,7 +1949,7 @@
           <a:bodyPr/>
           <a:lstStyle/>
           <a:p>
-            <a:fld id="{0FFD9E19-438C-40D9-9753-4A6600C41928}" type="datetimeFigureOut">
+            <a:fld id="{C924676D-8639-4900-9D01-0F8CEF398330}" type="datetimeFigureOut">
               <a:rPr lang="zh-CN" altLang="en-US" smtClean="0"/>
               <a:t>2024/3/10</a:t>
             </a:fld>
@@ -1962,7 +1962,7 @@
           <p:cNvPr id="4" name="页脚占位符 3">
             <a:extLst>
               <a:ext uri="{FF2B5EF4-FFF2-40B4-BE49-F238E27FC236}">
-                <a16:creationId xmlns:a16="http://schemas.microsoft.com/office/drawing/2014/main" id="{A893F43D-5E1E-E949-BF03-C5E1ADE398CE}"/>
+                <a16:creationId xmlns:a16="http://schemas.microsoft.com/office/drawing/2014/main" id="{1DA25BC9-C432-6D0B-6CF7-A17B84EBADF7}"/>
               </a:ext>
             </a:extLst>
           </p:cNvPr>
@@ -1987,7 +1987,7 @@
           <p:cNvPr id="5" name="灯片编号占位符 4">
             <a:extLst>
               <a:ext uri="{FF2B5EF4-FFF2-40B4-BE49-F238E27FC236}">
-                <a16:creationId xmlns:a16="http://schemas.microsoft.com/office/drawing/2014/main" id="{0AB8652B-20F8-8A1D-9371-E32B820053AD}"/>
+                <a16:creationId xmlns:a16="http://schemas.microsoft.com/office/drawing/2014/main" id="{CDBA301C-E49E-0BC1-8ECC-AC03B75CBD90}"/>
               </a:ext>
             </a:extLst>
           </p:cNvPr>
@@ -2003,7 +2003,7 @@
           <a:bodyPr/>
           <a:lstStyle/>
           <a:p>
-            <a:fld id="{DDA0AE6A-8629-4151-8704-C2C623580E14}" type="slidenum">
+            <a:fld id="{0A67B1FD-1378-4F62-A79D-1608B99F3347}" type="slidenum">
               <a:rPr lang="zh-CN" altLang="en-US" smtClean="0"/>
               <a:t>‹#›</a:t>
             </a:fld>
@@ -2014,7 +2014,7 @@
     </p:spTree>
     <p:extLst>
       <p:ext uri="{BB962C8B-B14F-4D97-AF65-F5344CB8AC3E}">
-        <p14:creationId xmlns:p14="http://schemas.microsoft.com/office/powerpoint/2010/main" val="2005079849"/>
+        <p14:creationId xmlns:p14="http://schemas.microsoft.com/office/powerpoint/2010/main" val="2790556855"/>
       </p:ext>
     </p:extLst>
   </p:cSld>
@@ -2046,7 +2046,7 @@
           <p:cNvPr id="2" name="日期占位符 1">
             <a:extLst>
               <a:ext uri="{FF2B5EF4-FFF2-40B4-BE49-F238E27FC236}">
-                <a16:creationId xmlns:a16="http://schemas.microsoft.com/office/drawing/2014/main" id="{D4093EB4-F7C4-C140-1495-B9467696C0CB}"/>
+                <a16:creationId xmlns:a16="http://schemas.microsoft.com/office/drawing/2014/main" id="{71944D29-26FF-AF5F-2C63-50DD050641A9}"/>
               </a:ext>
             </a:extLst>
           </p:cNvPr>
@@ -2062,7 +2062,7 @@
           <a:bodyPr/>
           <a:lstStyle/>
           <a:p>
-            <a:fld id="{0FFD9E19-438C-40D9-9753-4A6600C41928}" type="datetimeFigureOut">
+            <a:fld id="{C924676D-8639-4900-9D01-0F8CEF398330}" type="datetimeFigureOut">
               <a:rPr lang="zh-CN" altLang="en-US" smtClean="0"/>
               <a:t>2024/3/10</a:t>
             </a:fld>
@@ -2075,7 +2075,7 @@
           <p:cNvPr id="3" name="页脚占位符 2">
             <a:extLst>
               <a:ext uri="{FF2B5EF4-FFF2-40B4-BE49-F238E27FC236}">
-                <a16:creationId xmlns:a16="http://schemas.microsoft.com/office/drawing/2014/main" id="{913EAD45-1241-2DDD-7523-34577C2F9FBF}"/>
+                <a16:creationId xmlns:a16="http://schemas.microsoft.com/office/drawing/2014/main" id="{138212D0-C56C-33B0-8A2D-478CF14151EC}"/>
               </a:ext>
             </a:extLst>
           </p:cNvPr>
@@ -2100,7 +2100,7 @@
           <p:cNvPr id="4" name="灯片编号占位符 3">
             <a:extLst>
               <a:ext uri="{FF2B5EF4-FFF2-40B4-BE49-F238E27FC236}">
-                <a16:creationId xmlns:a16="http://schemas.microsoft.com/office/drawing/2014/main" id="{67B7C023-915E-E2FE-DDCA-3CBCE07D634C}"/>
+                <a16:creationId xmlns:a16="http://schemas.microsoft.com/office/drawing/2014/main" id="{90B2AC95-183D-0CCA-FDA2-BD309975578F}"/>
               </a:ext>
             </a:extLst>
           </p:cNvPr>
@@ -2116,7 +2116,7 @@
           <a:bodyPr/>
           <a:lstStyle/>
           <a:p>
-            <a:fld id="{DDA0AE6A-8629-4151-8704-C2C623580E14}" type="slidenum">
+            <a:fld id="{0A67B1FD-1378-4F62-A79D-1608B99F3347}" type="slidenum">
               <a:rPr lang="zh-CN" altLang="en-US" smtClean="0"/>
               <a:t>‹#›</a:t>
             </a:fld>
@@ -2127,7 +2127,7 @@
     </p:spTree>
     <p:extLst>
       <p:ext uri="{BB962C8B-B14F-4D97-AF65-F5344CB8AC3E}">
-        <p14:creationId xmlns:p14="http://schemas.microsoft.com/office/powerpoint/2010/main" val="1363296397"/>
+        <p14:creationId xmlns:p14="http://schemas.microsoft.com/office/powerpoint/2010/main" val="62452132"/>
       </p:ext>
     </p:extLst>
   </p:cSld>
@@ -2159,7 +2159,7 @@
           <p:cNvPr id="2" name="标题 1">
             <a:extLst>
               <a:ext uri="{FF2B5EF4-FFF2-40B4-BE49-F238E27FC236}">
-                <a16:creationId xmlns:a16="http://schemas.microsoft.com/office/drawing/2014/main" id="{A5DD8959-C56E-98B6-DC12-F5266E91A294}"/>
+                <a16:creationId xmlns:a16="http://schemas.microsoft.com/office/drawing/2014/main" id="{C4418A6D-E050-B857-24D8-1AE8225131D4}"/>
               </a:ext>
             </a:extLst>
           </p:cNvPr>
@@ -2196,7 +2196,7 @@
           <p:cNvPr id="3" name="内容占位符 2">
             <a:extLst>
               <a:ext uri="{FF2B5EF4-FFF2-40B4-BE49-F238E27FC236}">
-                <a16:creationId xmlns:a16="http://schemas.microsoft.com/office/drawing/2014/main" id="{D3CEAF64-214D-FAB9-F657-B45E1C0290CB}"/>
+                <a16:creationId xmlns:a16="http://schemas.microsoft.com/office/drawing/2014/main" id="{F488A474-A010-692E-8E31-15B40BC124CD}"/>
               </a:ext>
             </a:extLst>
           </p:cNvPr>
@@ -2286,7 +2286,7 @@
           <p:cNvPr id="4" name="文本占位符 3">
             <a:extLst>
               <a:ext uri="{FF2B5EF4-FFF2-40B4-BE49-F238E27FC236}">
-                <a16:creationId xmlns:a16="http://schemas.microsoft.com/office/drawing/2014/main" id="{2D94B577-7AA6-9057-8140-233567C08B62}"/>
+                <a16:creationId xmlns:a16="http://schemas.microsoft.com/office/drawing/2014/main" id="{612B7823-CF63-9A3B-7FFC-008101631820}"/>
               </a:ext>
             </a:extLst>
           </p:cNvPr>
@@ -2357,7 +2357,7 @@
           <p:cNvPr id="5" name="日期占位符 4">
             <a:extLst>
               <a:ext uri="{FF2B5EF4-FFF2-40B4-BE49-F238E27FC236}">
-                <a16:creationId xmlns:a16="http://schemas.microsoft.com/office/drawing/2014/main" id="{D7A6DC30-95DA-B169-E130-713CF057B1CA}"/>
+                <a16:creationId xmlns:a16="http://schemas.microsoft.com/office/drawing/2014/main" id="{175A0DC0-8A67-BD28-4812-0E370EED7254}"/>
               </a:ext>
             </a:extLst>
           </p:cNvPr>
@@ -2373,7 +2373,7 @@
           <a:bodyPr/>
           <a:lstStyle/>
           <a:p>
-            <a:fld id="{0FFD9E19-438C-40D9-9753-4A6600C41928}" type="datetimeFigureOut">
+            <a:fld id="{C924676D-8639-4900-9D01-0F8CEF398330}" type="datetimeFigureOut">
               <a:rPr lang="zh-CN" altLang="en-US" smtClean="0"/>
               <a:t>2024/3/10</a:t>
             </a:fld>
@@ -2386,7 +2386,7 @@
           <p:cNvPr id="6" name="页脚占位符 5">
             <a:extLst>
               <a:ext uri="{FF2B5EF4-FFF2-40B4-BE49-F238E27FC236}">
-                <a16:creationId xmlns:a16="http://schemas.microsoft.com/office/drawing/2014/main" id="{4355D55E-1E1D-69FB-4F34-922BABAA27B0}"/>
+                <a16:creationId xmlns:a16="http://schemas.microsoft.com/office/drawing/2014/main" id="{24B38049-4137-B754-114F-C22E320B2859}"/>
               </a:ext>
             </a:extLst>
           </p:cNvPr>
@@ -2411,7 +2411,7 @@
           <p:cNvPr id="7" name="灯片编号占位符 6">
             <a:extLst>
               <a:ext uri="{FF2B5EF4-FFF2-40B4-BE49-F238E27FC236}">
-                <a16:creationId xmlns:a16="http://schemas.microsoft.com/office/drawing/2014/main" id="{DEEE901F-DCB8-4A1A-52D6-184E26946721}"/>
+                <a16:creationId xmlns:a16="http://schemas.microsoft.com/office/drawing/2014/main" id="{A75B45D6-A149-B5E3-0B94-253A789D24CC}"/>
               </a:ext>
             </a:extLst>
           </p:cNvPr>
@@ -2427,7 +2427,7 @@
           <a:bodyPr/>
           <a:lstStyle/>
           <a:p>
-            <a:fld id="{DDA0AE6A-8629-4151-8704-C2C623580E14}" type="slidenum">
+            <a:fld id="{0A67B1FD-1378-4F62-A79D-1608B99F3347}" type="slidenum">
               <a:rPr lang="zh-CN" altLang="en-US" smtClean="0"/>
               <a:t>‹#›</a:t>
             </a:fld>
@@ -2438,7 +2438,7 @@
     </p:spTree>
     <p:extLst>
       <p:ext uri="{BB962C8B-B14F-4D97-AF65-F5344CB8AC3E}">
-        <p14:creationId xmlns:p14="http://schemas.microsoft.com/office/powerpoint/2010/main" val="3161883346"/>
+        <p14:creationId xmlns:p14="http://schemas.microsoft.com/office/powerpoint/2010/main" val="3498370113"/>
       </p:ext>
     </p:extLst>
   </p:cSld>
@@ -2470,7 +2470,7 @@
           <p:cNvPr id="2" name="标题 1">
             <a:extLst>
               <a:ext uri="{FF2B5EF4-FFF2-40B4-BE49-F238E27FC236}">
-                <a16:creationId xmlns:a16="http://schemas.microsoft.com/office/drawing/2014/main" id="{DB93BE02-BCBF-434C-98CF-049FBD418443}"/>
+                <a16:creationId xmlns:a16="http://schemas.microsoft.com/office/drawing/2014/main" id="{D624EA88-1C7D-C9CD-506F-A0946B4186AB}"/>
               </a:ext>
             </a:extLst>
           </p:cNvPr>
@@ -2507,7 +2507,7 @@
           <p:cNvPr id="3" name="图片占位符 2">
             <a:extLst>
               <a:ext uri="{FF2B5EF4-FFF2-40B4-BE49-F238E27FC236}">
-                <a16:creationId xmlns:a16="http://schemas.microsoft.com/office/drawing/2014/main" id="{2F3C1B10-B5E5-F858-7C45-52CCD7602780}"/>
+                <a16:creationId xmlns:a16="http://schemas.microsoft.com/office/drawing/2014/main" id="{4FA03853-2E39-0629-EF29-911427B17B33}"/>
               </a:ext>
             </a:extLst>
           </p:cNvPr>
@@ -2574,7 +2574,7 @@
           <p:cNvPr id="4" name="文本占位符 3">
             <a:extLst>
               <a:ext uri="{FF2B5EF4-FFF2-40B4-BE49-F238E27FC236}">
-                <a16:creationId xmlns:a16="http://schemas.microsoft.com/office/drawing/2014/main" id="{DAEE677A-ABCF-E265-E5D5-F374A8670DA1}"/>
+                <a16:creationId xmlns:a16="http://schemas.microsoft.com/office/drawing/2014/main" id="{C8F0FD44-73B4-4D32-676E-6432A6209691}"/>
               </a:ext>
             </a:extLst>
           </p:cNvPr>
@@ -2645,7 +2645,7 @@
           <p:cNvPr id="5" name="日期占位符 4">
             <a:extLst>
               <a:ext uri="{FF2B5EF4-FFF2-40B4-BE49-F238E27FC236}">
-                <a16:creationId xmlns:a16="http://schemas.microsoft.com/office/drawing/2014/main" id="{D72F35E1-E0CE-AA10-84BD-67EC54DE6740}"/>
+                <a16:creationId xmlns:a16="http://schemas.microsoft.com/office/drawing/2014/main" id="{8BF0DB11-EB5B-733B-40A1-F96A940DF333}"/>
               </a:ext>
             </a:extLst>
           </p:cNvPr>
@@ -2661,7 +2661,7 @@
           <a:bodyPr/>
           <a:lstStyle/>
           <a:p>
-            <a:fld id="{0FFD9E19-438C-40D9-9753-4A6600C41928}" type="datetimeFigureOut">
+            <a:fld id="{C924676D-8639-4900-9D01-0F8CEF398330}" type="datetimeFigureOut">
               <a:rPr lang="zh-CN" altLang="en-US" smtClean="0"/>
               <a:t>2024/3/10</a:t>
             </a:fld>
@@ -2674,7 +2674,7 @@
           <p:cNvPr id="6" name="页脚占位符 5">
             <a:extLst>
               <a:ext uri="{FF2B5EF4-FFF2-40B4-BE49-F238E27FC236}">
-                <a16:creationId xmlns:a16="http://schemas.microsoft.com/office/drawing/2014/main" id="{2F2FBBA1-E70C-3BC2-4790-9328D62C71A1}"/>
+                <a16:creationId xmlns:a16="http://schemas.microsoft.com/office/drawing/2014/main" id="{D9E7BD76-20B2-2153-EEFC-5F1BC8B7D601}"/>
               </a:ext>
             </a:extLst>
           </p:cNvPr>
@@ -2699,7 +2699,7 @@
           <p:cNvPr id="7" name="灯片编号占位符 6">
             <a:extLst>
               <a:ext uri="{FF2B5EF4-FFF2-40B4-BE49-F238E27FC236}">
-                <a16:creationId xmlns:a16="http://schemas.microsoft.com/office/drawing/2014/main" id="{EEEA3A18-B93E-633C-14F3-1121A5E23ED0}"/>
+                <a16:creationId xmlns:a16="http://schemas.microsoft.com/office/drawing/2014/main" id="{B01E3835-3917-56ED-A32F-2DCC94FBB457}"/>
               </a:ext>
             </a:extLst>
           </p:cNvPr>
@@ -2715,7 +2715,7 @@
           <a:bodyPr/>
           <a:lstStyle/>
           <a:p>
-            <a:fld id="{DDA0AE6A-8629-4151-8704-C2C623580E14}" type="slidenum">
+            <a:fld id="{0A67B1FD-1378-4F62-A79D-1608B99F3347}" type="slidenum">
               <a:rPr lang="zh-CN" altLang="en-US" smtClean="0"/>
               <a:t>‹#›</a:t>
             </a:fld>
@@ -2726,7 +2726,7 @@
     </p:spTree>
     <p:extLst>
       <p:ext uri="{BB962C8B-B14F-4D97-AF65-F5344CB8AC3E}">
-        <p14:creationId xmlns:p14="http://schemas.microsoft.com/office/powerpoint/2010/main" val="448495785"/>
+        <p14:creationId xmlns:p14="http://schemas.microsoft.com/office/powerpoint/2010/main" val="3569174555"/>
       </p:ext>
     </p:extLst>
   </p:cSld>
@@ -2763,7 +2763,7 @@
           <p:cNvPr id="2" name="标题占位符 1">
             <a:extLst>
               <a:ext uri="{FF2B5EF4-FFF2-40B4-BE49-F238E27FC236}">
-                <a16:creationId xmlns:a16="http://schemas.microsoft.com/office/drawing/2014/main" id="{638F85C3-07F1-2739-3B56-7F76BFB84303}"/>
+                <a16:creationId xmlns:a16="http://schemas.microsoft.com/office/drawing/2014/main" id="{A3D75FC6-D05B-2779-9717-7E85EBABCAD3}"/>
               </a:ext>
             </a:extLst>
           </p:cNvPr>
@@ -2801,7 +2801,7 @@
           <p:cNvPr id="3" name="文本占位符 2">
             <a:extLst>
               <a:ext uri="{FF2B5EF4-FFF2-40B4-BE49-F238E27FC236}">
-                <a16:creationId xmlns:a16="http://schemas.microsoft.com/office/drawing/2014/main" id="{EC5247C7-ECB8-0001-98F5-1E5BDEDED9F6}"/>
+                <a16:creationId xmlns:a16="http://schemas.microsoft.com/office/drawing/2014/main" id="{DF3EBEE3-EA5B-4014-C2C0-FE9F564C4F09}"/>
               </a:ext>
             </a:extLst>
           </p:cNvPr>
@@ -2868,7 +2868,7 @@
           <p:cNvPr id="4" name="日期占位符 3">
             <a:extLst>
               <a:ext uri="{FF2B5EF4-FFF2-40B4-BE49-F238E27FC236}">
-                <a16:creationId xmlns:a16="http://schemas.microsoft.com/office/drawing/2014/main" id="{0D789F18-DBBB-7D8E-C0D1-756AB32C5EA6}"/>
+                <a16:creationId xmlns:a16="http://schemas.microsoft.com/office/drawing/2014/main" id="{F67BE069-C3F5-B213-A2D2-AA20F00B295D}"/>
               </a:ext>
             </a:extLst>
           </p:cNvPr>
@@ -2902,7 +2902,7 @@
             </a:lvl1pPr>
           </a:lstStyle>
           <a:p>
-            <a:fld id="{0FFD9E19-438C-40D9-9753-4A6600C41928}" type="datetimeFigureOut">
+            <a:fld id="{C924676D-8639-4900-9D01-0F8CEF398330}" type="datetimeFigureOut">
               <a:rPr lang="zh-CN" altLang="en-US" smtClean="0"/>
               <a:t>2024/3/10</a:t>
             </a:fld>
@@ -2915,7 +2915,7 @@
           <p:cNvPr id="5" name="页脚占位符 4">
             <a:extLst>
               <a:ext uri="{FF2B5EF4-FFF2-40B4-BE49-F238E27FC236}">
-                <a16:creationId xmlns:a16="http://schemas.microsoft.com/office/drawing/2014/main" id="{FE5577BC-3DF3-3B6B-AD54-5BB7D3B442E9}"/>
+                <a16:creationId xmlns:a16="http://schemas.microsoft.com/office/drawing/2014/main" id="{8A1A6404-6F45-EEEE-6CED-0FD2ECEE0B83}"/>
               </a:ext>
             </a:extLst>
           </p:cNvPr>
@@ -2958,7 +2958,7 @@
           <p:cNvPr id="6" name="灯片编号占位符 5">
             <a:extLst>
               <a:ext uri="{FF2B5EF4-FFF2-40B4-BE49-F238E27FC236}">
-                <a16:creationId xmlns:a16="http://schemas.microsoft.com/office/drawing/2014/main" id="{B0E14576-3C44-A271-EA97-9E7745A9976C}"/>
+                <a16:creationId xmlns:a16="http://schemas.microsoft.com/office/drawing/2014/main" id="{BD87F048-0D8E-D466-89CD-04420DA5550C}"/>
               </a:ext>
             </a:extLst>
           </p:cNvPr>
@@ -2992,7 +2992,7 @@
             </a:lvl1pPr>
           </a:lstStyle>
           <a:p>
-            <a:fld id="{DDA0AE6A-8629-4151-8704-C2C623580E14}" type="slidenum">
+            <a:fld id="{0A67B1FD-1378-4F62-A79D-1608B99F3347}" type="slidenum">
               <a:rPr lang="zh-CN" altLang="en-US" smtClean="0"/>
               <a:t>‹#›</a:t>
             </a:fld>
@@ -3003,7 +3003,7 @@
     </p:spTree>
     <p:extLst>
       <p:ext uri="{BB962C8B-B14F-4D97-AF65-F5344CB8AC3E}">
-        <p14:creationId xmlns:p14="http://schemas.microsoft.com/office/powerpoint/2010/main" val="2608237536"/>
+        <p14:creationId xmlns:p14="http://schemas.microsoft.com/office/powerpoint/2010/main" val="3673076484"/>
       </p:ext>
     </p:extLst>
   </p:cSld>
@@ -3323,7 +3323,7 @@
       </p:grpSpPr>
       <p:pic>
         <p:nvPicPr>
-          <p:cNvPr id="1268738" name="Picture 2" descr="1238"/>
+          <p:cNvPr id="1269762" name="Picture 2" descr="1239"/>
           <p:cNvPicPr>
             <a:picLocks noChangeAspect="1" noChangeArrowheads="1"/>
           </p:cNvPicPr>
@@ -3344,8 +3344,8 @@
         </p:blipFill>
         <p:spPr bwMode="auto">
           <a:xfrm>
-            <a:off x="1524000" y="1"/>
-            <a:ext cx="9144000" cy="6735763"/>
+            <a:off x="1524000" y="0"/>
+            <a:ext cx="9144000" cy="6858000"/>
           </a:xfrm>
           <a:prstGeom prst="rect">
             <a:avLst/>
